--- a/Documentation/ReleaseNotes.pptx
+++ b/Documentation/ReleaseNotes.pptx
@@ -106,6 +106,11 @@
       </a:defRPr>
     </a:lvl9pPr>
   </p:defaultTextStyle>
+  <p:extLst>
+    <p:ext uri="{EFAFB233-063F-42B5-8137-9DF3F51BA10A}">
+      <p15:sldGuideLst xmlns:p15="http://schemas.microsoft.com/office/powerpoint/2012/main"/>
+    </p:ext>
+  </p:extLst>
 </p:presentation>
 </file>
 
@@ -258,7 +263,7 @@
           <a:p>
             <a:fld id="{84A20A80-CBDF-41E9-A8D1-A3156D53D4CF}" type="datetimeFigureOut">
               <a:rPr lang="en-IN" smtClean="0"/>
-              <a:t>24-08-2024</a:t>
+              <a:t>31-08-2024</a:t>
             </a:fld>
             <a:endParaRPr lang="en-IN"/>
           </a:p>
@@ -458,7 +463,7 @@
           <a:p>
             <a:fld id="{84A20A80-CBDF-41E9-A8D1-A3156D53D4CF}" type="datetimeFigureOut">
               <a:rPr lang="en-IN" smtClean="0"/>
-              <a:t>24-08-2024</a:t>
+              <a:t>31-08-2024</a:t>
             </a:fld>
             <a:endParaRPr lang="en-IN"/>
           </a:p>
@@ -668,7 +673,7 @@
           <a:p>
             <a:fld id="{84A20A80-CBDF-41E9-A8D1-A3156D53D4CF}" type="datetimeFigureOut">
               <a:rPr lang="en-IN" smtClean="0"/>
-              <a:t>24-08-2024</a:t>
+              <a:t>31-08-2024</a:t>
             </a:fld>
             <a:endParaRPr lang="en-IN"/>
           </a:p>
@@ -868,7 +873,7 @@
           <a:p>
             <a:fld id="{84A20A80-CBDF-41E9-A8D1-A3156D53D4CF}" type="datetimeFigureOut">
               <a:rPr lang="en-IN" smtClean="0"/>
-              <a:t>24-08-2024</a:t>
+              <a:t>31-08-2024</a:t>
             </a:fld>
             <a:endParaRPr lang="en-IN"/>
           </a:p>
@@ -1144,7 +1149,7 @@
           <a:p>
             <a:fld id="{84A20A80-CBDF-41E9-A8D1-A3156D53D4CF}" type="datetimeFigureOut">
               <a:rPr lang="en-IN" smtClean="0"/>
-              <a:t>24-08-2024</a:t>
+              <a:t>31-08-2024</a:t>
             </a:fld>
             <a:endParaRPr lang="en-IN"/>
           </a:p>
@@ -1412,7 +1417,7 @@
           <a:p>
             <a:fld id="{84A20A80-CBDF-41E9-A8D1-A3156D53D4CF}" type="datetimeFigureOut">
               <a:rPr lang="en-IN" smtClean="0"/>
-              <a:t>24-08-2024</a:t>
+              <a:t>31-08-2024</a:t>
             </a:fld>
             <a:endParaRPr lang="en-IN"/>
           </a:p>
@@ -1827,7 +1832,7 @@
           <a:p>
             <a:fld id="{84A20A80-CBDF-41E9-A8D1-A3156D53D4CF}" type="datetimeFigureOut">
               <a:rPr lang="en-IN" smtClean="0"/>
-              <a:t>24-08-2024</a:t>
+              <a:t>31-08-2024</a:t>
             </a:fld>
             <a:endParaRPr lang="en-IN"/>
           </a:p>
@@ -1969,7 +1974,7 @@
           <a:p>
             <a:fld id="{84A20A80-CBDF-41E9-A8D1-A3156D53D4CF}" type="datetimeFigureOut">
               <a:rPr lang="en-IN" smtClean="0"/>
-              <a:t>24-08-2024</a:t>
+              <a:t>31-08-2024</a:t>
             </a:fld>
             <a:endParaRPr lang="en-IN"/>
           </a:p>
@@ -2082,7 +2087,7 @@
           <a:p>
             <a:fld id="{84A20A80-CBDF-41E9-A8D1-A3156D53D4CF}" type="datetimeFigureOut">
               <a:rPr lang="en-IN" smtClean="0"/>
-              <a:t>24-08-2024</a:t>
+              <a:t>31-08-2024</a:t>
             </a:fld>
             <a:endParaRPr lang="en-IN"/>
           </a:p>
@@ -2395,7 +2400,7 @@
           <a:p>
             <a:fld id="{84A20A80-CBDF-41E9-A8D1-A3156D53D4CF}" type="datetimeFigureOut">
               <a:rPr lang="en-IN" smtClean="0"/>
-              <a:t>24-08-2024</a:t>
+              <a:t>31-08-2024</a:t>
             </a:fld>
             <a:endParaRPr lang="en-IN"/>
           </a:p>
@@ -2684,7 +2689,7 @@
           <a:p>
             <a:fld id="{84A20A80-CBDF-41E9-A8D1-A3156D53D4CF}" type="datetimeFigureOut">
               <a:rPr lang="en-IN" smtClean="0"/>
-              <a:t>24-08-2024</a:t>
+              <a:t>31-08-2024</a:t>
             </a:fld>
             <a:endParaRPr lang="en-IN"/>
           </a:p>
@@ -2927,7 +2932,7 @@
           <a:p>
             <a:fld id="{84A20A80-CBDF-41E9-A8D1-A3156D53D4CF}" type="datetimeFigureOut">
               <a:rPr lang="en-IN" smtClean="0"/>
-              <a:t>24-08-2024</a:t>
+              <a:t>31-08-2024</a:t>
             </a:fld>
             <a:endParaRPr lang="en-IN"/>
           </a:p>
@@ -3631,12 +3636,12 @@
                     <a:p>
                       <a:pPr algn="l" fontAlgn="t"/>
                       <a:r>
-                        <a:rPr lang="en-IN" sz="1800" u="none" strike="noStrike">
+                        <a:rPr lang="en-IN" sz="1800" u="none" strike="noStrike" dirty="0">
                           <a:effectLst/>
                         </a:rPr>
                         <a:t>11-Aug-2024</a:t>
                       </a:r>
-                      <a:endParaRPr lang="en-IN" sz="1800" b="0" i="0" u="none" strike="noStrike">
+                      <a:endParaRPr lang="en-IN" sz="1800" b="0" i="0" u="none" strike="noStrike" dirty="0">
                         <a:solidFill>
                           <a:srgbClr val="000000"/>
                         </a:solidFill>
@@ -4020,7 +4025,7 @@
           <p:nvPr>
             <p:extLst>
               <p:ext uri="{D42A27DB-BD31-4B8C-83A1-F6EECF244321}">
-                <p14:modId xmlns:p14="http://schemas.microsoft.com/office/powerpoint/2010/main" val="495578321"/>
+                <p14:modId xmlns:p14="http://schemas.microsoft.com/office/powerpoint/2010/main" val="3105716833"/>
               </p:ext>
             </p:extLst>
           </p:nvPr>
@@ -4082,12 +4087,12 @@
                     <a:p>
                       <a:pPr algn="l" fontAlgn="t"/>
                       <a:r>
-                        <a:rPr lang="en-IN" sz="1800" u="none" strike="noStrike">
+                        <a:rPr lang="en-IN" sz="1800" u="none" strike="noStrike" dirty="0">
                           <a:effectLst/>
                         </a:rPr>
-                        <a:t> </a:t>
+                        <a:t> 31-Aug-2024</a:t>
                       </a:r>
-                      <a:endParaRPr lang="en-IN" sz="1800" b="0" i="0" u="none" strike="noStrike">
+                      <a:endParaRPr lang="en-IN" sz="1800" b="0" i="0" u="none" strike="noStrike" dirty="0">
                         <a:solidFill>
                           <a:srgbClr val="000000"/>
                         </a:solidFill>
@@ -4574,7 +4579,7 @@
                         <a:rPr lang="en-US" sz="1800" u="none" strike="noStrike" dirty="0">
                           <a:effectLst/>
                         </a:rPr>
-                        <a:t> Layer to identify free areas in the layout - In Progress</a:t>
+                        <a:t> Layer to identify free areas in the layout</a:t>
                       </a:r>
                       <a:endParaRPr lang="en-US" sz="1800" b="0" i="0" u="none" strike="noStrike" dirty="0">
                         <a:solidFill>

--- a/Documentation/ReleaseNotes.pptx
+++ b/Documentation/ReleaseNotes.pptx
@@ -8,6 +8,7 @@
     <p:sldId id="256" r:id="rId2"/>
     <p:sldId id="257" r:id="rId3"/>
     <p:sldId id="258" r:id="rId4"/>
+    <p:sldId id="259" r:id="rId5"/>
   </p:sldIdLst>
   <p:sldSz cx="12192000" cy="6858000"/>
   <p:notesSz cx="6858000" cy="9144000"/>
@@ -263,7 +264,7 @@
           <a:p>
             <a:fld id="{84A20A80-CBDF-41E9-A8D1-A3156D53D4CF}" type="datetimeFigureOut">
               <a:rPr lang="en-IN" smtClean="0"/>
-              <a:t>31-08-2024</a:t>
+              <a:t>21-12-2024</a:t>
             </a:fld>
             <a:endParaRPr lang="en-IN"/>
           </a:p>
@@ -463,7 +464,7 @@
           <a:p>
             <a:fld id="{84A20A80-CBDF-41E9-A8D1-A3156D53D4CF}" type="datetimeFigureOut">
               <a:rPr lang="en-IN" smtClean="0"/>
-              <a:t>31-08-2024</a:t>
+              <a:t>21-12-2024</a:t>
             </a:fld>
             <a:endParaRPr lang="en-IN"/>
           </a:p>
@@ -673,7 +674,7 @@
           <a:p>
             <a:fld id="{84A20A80-CBDF-41E9-A8D1-A3156D53D4CF}" type="datetimeFigureOut">
               <a:rPr lang="en-IN" smtClean="0"/>
-              <a:t>31-08-2024</a:t>
+              <a:t>21-12-2024</a:t>
             </a:fld>
             <a:endParaRPr lang="en-IN"/>
           </a:p>
@@ -873,7 +874,7 @@
           <a:p>
             <a:fld id="{84A20A80-CBDF-41E9-A8D1-A3156D53D4CF}" type="datetimeFigureOut">
               <a:rPr lang="en-IN" smtClean="0"/>
-              <a:t>31-08-2024</a:t>
+              <a:t>21-12-2024</a:t>
             </a:fld>
             <a:endParaRPr lang="en-IN"/>
           </a:p>
@@ -1149,7 +1150,7 @@
           <a:p>
             <a:fld id="{84A20A80-CBDF-41E9-A8D1-A3156D53D4CF}" type="datetimeFigureOut">
               <a:rPr lang="en-IN" smtClean="0"/>
-              <a:t>31-08-2024</a:t>
+              <a:t>21-12-2024</a:t>
             </a:fld>
             <a:endParaRPr lang="en-IN"/>
           </a:p>
@@ -1417,7 +1418,7 @@
           <a:p>
             <a:fld id="{84A20A80-CBDF-41E9-A8D1-A3156D53D4CF}" type="datetimeFigureOut">
               <a:rPr lang="en-IN" smtClean="0"/>
-              <a:t>31-08-2024</a:t>
+              <a:t>21-12-2024</a:t>
             </a:fld>
             <a:endParaRPr lang="en-IN"/>
           </a:p>
@@ -1832,7 +1833,7 @@
           <a:p>
             <a:fld id="{84A20A80-CBDF-41E9-A8D1-A3156D53D4CF}" type="datetimeFigureOut">
               <a:rPr lang="en-IN" smtClean="0"/>
-              <a:t>31-08-2024</a:t>
+              <a:t>21-12-2024</a:t>
             </a:fld>
             <a:endParaRPr lang="en-IN"/>
           </a:p>
@@ -1974,7 +1975,7 @@
           <a:p>
             <a:fld id="{84A20A80-CBDF-41E9-A8D1-A3156D53D4CF}" type="datetimeFigureOut">
               <a:rPr lang="en-IN" smtClean="0"/>
-              <a:t>31-08-2024</a:t>
+              <a:t>21-12-2024</a:t>
             </a:fld>
             <a:endParaRPr lang="en-IN"/>
           </a:p>
@@ -2087,7 +2088,7 @@
           <a:p>
             <a:fld id="{84A20A80-CBDF-41E9-A8D1-A3156D53D4CF}" type="datetimeFigureOut">
               <a:rPr lang="en-IN" smtClean="0"/>
-              <a:t>31-08-2024</a:t>
+              <a:t>21-12-2024</a:t>
             </a:fld>
             <a:endParaRPr lang="en-IN"/>
           </a:p>
@@ -2400,7 +2401,7 @@
           <a:p>
             <a:fld id="{84A20A80-CBDF-41E9-A8D1-A3156D53D4CF}" type="datetimeFigureOut">
               <a:rPr lang="en-IN" smtClean="0"/>
-              <a:t>31-08-2024</a:t>
+              <a:t>21-12-2024</a:t>
             </a:fld>
             <a:endParaRPr lang="en-IN"/>
           </a:p>
@@ -2689,7 +2690,7 @@
           <a:p>
             <a:fld id="{84A20A80-CBDF-41E9-A8D1-A3156D53D4CF}" type="datetimeFigureOut">
               <a:rPr lang="en-IN" smtClean="0"/>
-              <a:t>31-08-2024</a:t>
+              <a:t>21-12-2024</a:t>
             </a:fld>
             <a:endParaRPr lang="en-IN"/>
           </a:p>
@@ -2932,7 +2933,7 @@
           <a:p>
             <a:fld id="{84A20A80-CBDF-41E9-A8D1-A3156D53D4CF}" type="datetimeFigureOut">
               <a:rPr lang="en-IN" smtClean="0"/>
-              <a:t>31-08-2024</a:t>
+              <a:t>21-12-2024</a:t>
             </a:fld>
             <a:endParaRPr lang="en-IN"/>
           </a:p>
@@ -4615,6 +4616,358 @@
 </p:sld>
 </file>
 
+<file path=ppt/slides/slide4.xml><?xml version="1.0" encoding="utf-8"?>
+<p:sld xmlns:a="http://schemas.openxmlformats.org/drawingml/2006/main" xmlns:r="http://schemas.openxmlformats.org/officeDocument/2006/relationships" xmlns:p="http://schemas.openxmlformats.org/presentationml/2006/main">
+  <p:cSld>
+    <p:spTree>
+      <p:nvGrpSpPr>
+        <p:cNvPr id="1" name="">
+          <a:extLst>
+            <a:ext uri="{FF2B5EF4-FFF2-40B4-BE49-F238E27FC236}">
+              <a16:creationId xmlns:a16="http://schemas.microsoft.com/office/drawing/2014/main" id="{684DF8D7-92A2-8AF3-E68D-FA8D700DC87A}"/>
+            </a:ext>
+          </a:extLst>
+        </p:cNvPr>
+        <p:cNvGrpSpPr/>
+        <p:nvPr/>
+      </p:nvGrpSpPr>
+      <p:grpSpPr>
+        <a:xfrm>
+          <a:off x="0" y="0"/>
+          <a:ext cx="0" cy="0"/>
+          <a:chOff x="0" y="0"/>
+          <a:chExt cx="0" cy="0"/>
+        </a:xfrm>
+      </p:grpSpPr>
+      <p:graphicFrame>
+        <p:nvGraphicFramePr>
+          <p:cNvPr id="2" name="Table 1">
+            <a:extLst>
+              <a:ext uri="{FF2B5EF4-FFF2-40B4-BE49-F238E27FC236}">
+                <a16:creationId xmlns:a16="http://schemas.microsoft.com/office/drawing/2014/main" id="{7AFCADDF-8C6E-6E92-286B-45B167FCEE25}"/>
+              </a:ext>
+            </a:extLst>
+          </p:cNvPr>
+          <p:cNvGraphicFramePr>
+            <a:graphicFrameLocks noGrp="1"/>
+          </p:cNvGraphicFramePr>
+          <p:nvPr>
+            <p:extLst>
+              <p:ext uri="{D42A27DB-BD31-4B8C-83A1-F6EECF244321}">
+                <p14:modId xmlns:p14="http://schemas.microsoft.com/office/powerpoint/2010/main" val="2443642480"/>
+              </p:ext>
+            </p:extLst>
+          </p:nvPr>
+        </p:nvGraphicFramePr>
+        <p:xfrm>
+          <a:off x="255440" y="349212"/>
+          <a:ext cx="9893300" cy="1485900"/>
+        </p:xfrm>
+        <a:graphic>
+          <a:graphicData uri="http://schemas.openxmlformats.org/drawingml/2006/table">
+            <a:tbl>
+              <a:tblPr>
+                <a:tableStyleId>{5C22544A-7EE6-4342-B048-85BDC9FD1C3A}</a:tableStyleId>
+              </a:tblPr>
+              <a:tblGrid>
+                <a:gridCol w="850900">
+                  <a:extLst>
+                    <a:ext uri="{9D8B030D-6E8A-4147-A177-3AD203B41FA5}">
+                      <a16:colId xmlns:a16="http://schemas.microsoft.com/office/drawing/2014/main" val="3131833999"/>
+                    </a:ext>
+                  </a:extLst>
+                </a:gridCol>
+                <a:gridCol w="9042400">
+                  <a:extLst>
+                    <a:ext uri="{9D8B030D-6E8A-4147-A177-3AD203B41FA5}">
+                      <a16:colId xmlns:a16="http://schemas.microsoft.com/office/drawing/2014/main" val="2215495819"/>
+                    </a:ext>
+                  </a:extLst>
+                </a:gridCol>
+              </a:tblGrid>
+              <a:tr h="297180">
+                <a:tc>
+                  <a:txBody>
+                    <a:bodyPr/>
+                    <a:lstStyle/>
+                    <a:p>
+                      <a:pPr algn="ctr" fontAlgn="ctr"/>
+                      <a:r>
+                        <a:rPr lang="en-IN" sz="1800" u="none" strike="noStrike" dirty="0">
+                          <a:effectLst/>
+                        </a:rPr>
+                        <a:t>V3.4.0.0</a:t>
+                      </a:r>
+                      <a:endParaRPr lang="en-IN" sz="1800" b="0" i="0" u="none" strike="noStrike" dirty="0">
+                        <a:solidFill>
+                          <a:srgbClr val="000000"/>
+                        </a:solidFill>
+                        <a:effectLst/>
+                        <a:latin typeface="Calibri" panose="020F0502020204030204" pitchFamily="34" charset="0"/>
+                      </a:endParaRPr>
+                    </a:p>
+                  </a:txBody>
+                  <a:tcPr marL="0" marR="0" marT="0" marB="0" anchor="ctr"/>
+                </a:tc>
+                <a:tc>
+                  <a:txBody>
+                    <a:bodyPr/>
+                    <a:lstStyle/>
+                    <a:p>
+                      <a:pPr algn="l" fontAlgn="t"/>
+                      <a:r>
+                        <a:rPr lang="en-IN" sz="1800" u="none" strike="noStrike" dirty="0">
+                          <a:effectLst/>
+                        </a:rPr>
+                        <a:t> 21-Dec-2024</a:t>
+                      </a:r>
+                      <a:endParaRPr lang="en-IN" sz="1800" b="0" i="0" u="none" strike="noStrike" dirty="0">
+                        <a:solidFill>
+                          <a:srgbClr val="000000"/>
+                        </a:solidFill>
+                        <a:effectLst/>
+                        <a:latin typeface="Calibri" panose="020F0502020204030204" pitchFamily="34" charset="0"/>
+                      </a:endParaRPr>
+                    </a:p>
+                  </a:txBody>
+                  <a:tcPr marL="0" marR="0" marT="0" marB="0"/>
+                </a:tc>
+                <a:extLst>
+                  <a:ext uri="{0D108BD9-81ED-4DB2-BD59-A6C34878D82A}">
+                    <a16:rowId xmlns:a16="http://schemas.microsoft.com/office/drawing/2014/main" val="992549833"/>
+                  </a:ext>
+                </a:extLst>
+              </a:tr>
+              <a:tr h="297180">
+                <a:tc>
+                  <a:txBody>
+                    <a:bodyPr/>
+                    <a:lstStyle/>
+                    <a:p>
+                      <a:pPr algn="ctr" fontAlgn="ctr"/>
+                      <a:r>
+                        <a:rPr lang="en-IN" sz="1800" u="none" strike="noStrike">
+                          <a:effectLst/>
+                        </a:rPr>
+                        <a:t>1</a:t>
+                      </a:r>
+                      <a:endParaRPr lang="en-IN" sz="1800" b="0" i="0" u="none" strike="noStrike">
+                        <a:solidFill>
+                          <a:srgbClr val="000000"/>
+                        </a:solidFill>
+                        <a:effectLst/>
+                        <a:latin typeface="Calibri" panose="020F0502020204030204" pitchFamily="34" charset="0"/>
+                      </a:endParaRPr>
+                    </a:p>
+                  </a:txBody>
+                  <a:tcPr marL="0" marR="0" marT="0" marB="0" anchor="ctr"/>
+                </a:tc>
+                <a:tc>
+                  <a:txBody>
+                    <a:bodyPr/>
+                    <a:lstStyle/>
+                    <a:p>
+                      <a:pPr algn="l" fontAlgn="t"/>
+                      <a:r>
+                        <a:rPr lang="en-US" sz="1800" u="none" strike="noStrike" dirty="0">
+                          <a:effectLst/>
+                        </a:rPr>
+                        <a:t> SC (Survey No Check) Command added [Check missing text, duplicate text &amp; missing polylines]</a:t>
+                      </a:r>
+                      <a:endParaRPr lang="en-US" sz="1800" b="0" i="0" u="none" strike="noStrike" dirty="0">
+                        <a:solidFill>
+                          <a:srgbClr val="000000"/>
+                        </a:solidFill>
+                        <a:effectLst/>
+                        <a:latin typeface="Calibri" panose="020F0502020204030204" pitchFamily="34" charset="0"/>
+                      </a:endParaRPr>
+                    </a:p>
+                  </a:txBody>
+                  <a:tcPr marL="0" marR="0" marT="0" marB="0"/>
+                </a:tc>
+                <a:extLst>
+                  <a:ext uri="{0D108BD9-81ED-4DB2-BD59-A6C34878D82A}">
+                    <a16:rowId xmlns:a16="http://schemas.microsoft.com/office/drawing/2014/main" val="2663027514"/>
+                  </a:ext>
+                </a:extLst>
+              </a:tr>
+              <a:tr h="297180">
+                <a:tc>
+                  <a:txBody>
+                    <a:bodyPr/>
+                    <a:lstStyle/>
+                    <a:p>
+                      <a:pPr algn="ctr" fontAlgn="ctr"/>
+                      <a:r>
+                        <a:rPr lang="en-IN" sz="1800" u="none" strike="noStrike">
+                          <a:effectLst/>
+                        </a:rPr>
+                        <a:t>2</a:t>
+                      </a:r>
+                      <a:endParaRPr lang="en-IN" sz="1800" b="0" i="0" u="none" strike="noStrike">
+                        <a:solidFill>
+                          <a:srgbClr val="000000"/>
+                        </a:solidFill>
+                        <a:effectLst/>
+                        <a:latin typeface="Calibri" panose="020F0502020204030204" pitchFamily="34" charset="0"/>
+                      </a:endParaRPr>
+                    </a:p>
+                  </a:txBody>
+                  <a:tcPr marL="0" marR="0" marT="0" marB="0" anchor="ctr"/>
+                </a:tc>
+                <a:tc>
+                  <a:txBody>
+                    <a:bodyPr/>
+                    <a:lstStyle/>
+                    <a:p>
+                      <a:pPr algn="l" fontAlgn="t"/>
+                      <a:r>
+                        <a:rPr lang="en-US" sz="1800" u="none" strike="noStrike" dirty="0">
+                          <a:effectLst/>
+                        </a:rPr>
+                        <a:t> NDEC (Name, Doc No, Extent Check) Command added</a:t>
+                      </a:r>
+                      <a:endParaRPr lang="en-US" sz="1800" b="0" i="0" u="none" strike="noStrike" dirty="0">
+                        <a:solidFill>
+                          <a:srgbClr val="000000"/>
+                        </a:solidFill>
+                        <a:effectLst/>
+                        <a:latin typeface="Calibri" panose="020F0502020204030204" pitchFamily="34" charset="0"/>
+                      </a:endParaRPr>
+                    </a:p>
+                  </a:txBody>
+                  <a:tcPr marL="0" marR="0" marT="0" marB="0"/>
+                </a:tc>
+                <a:extLst>
+                  <a:ext uri="{0D108BD9-81ED-4DB2-BD59-A6C34878D82A}">
+                    <a16:rowId xmlns:a16="http://schemas.microsoft.com/office/drawing/2014/main" val="43779503"/>
+                  </a:ext>
+                </a:extLst>
+              </a:tr>
+              <a:tr h="297180">
+                <a:tc>
+                  <a:txBody>
+                    <a:bodyPr/>
+                    <a:lstStyle/>
+                    <a:p>
+                      <a:pPr algn="ctr" fontAlgn="ctr"/>
+                      <a:r>
+                        <a:rPr lang="en-IN" sz="1800" u="none" strike="noStrike">
+                          <a:effectLst/>
+                        </a:rPr>
+                        <a:t>3</a:t>
+                      </a:r>
+                      <a:endParaRPr lang="en-IN" sz="1800" b="0" i="0" u="none" strike="noStrike">
+                        <a:solidFill>
+                          <a:srgbClr val="000000"/>
+                        </a:solidFill>
+                        <a:effectLst/>
+                        <a:latin typeface="Calibri" panose="020F0502020204030204" pitchFamily="34" charset="0"/>
+                      </a:endParaRPr>
+                    </a:p>
+                  </a:txBody>
+                  <a:tcPr marL="0" marR="0" marT="0" marB="0" anchor="ctr"/>
+                </a:tc>
+                <a:tc>
+                  <a:txBody>
+                    <a:bodyPr/>
+                    <a:lstStyle/>
+                    <a:p>
+                      <a:pPr algn="l" fontAlgn="t"/>
+                      <a:r>
+                        <a:rPr lang="en-US" sz="1800" u="none" strike="noStrike" dirty="0">
+                          <a:effectLst/>
+                        </a:rPr>
+                        <a:t> Report Mortgage area and check for 15% in case of Applicant drawing</a:t>
+                      </a:r>
+                      <a:endParaRPr lang="en-US" sz="1800" b="0" i="0" u="none" strike="noStrike" dirty="0">
+                        <a:solidFill>
+                          <a:srgbClr val="000000"/>
+                        </a:solidFill>
+                        <a:effectLst/>
+                        <a:latin typeface="Calibri" panose="020F0502020204030204" pitchFamily="34" charset="0"/>
+                      </a:endParaRPr>
+                    </a:p>
+                  </a:txBody>
+                  <a:tcPr marL="0" marR="0" marT="0" marB="0"/>
+                </a:tc>
+                <a:extLst>
+                  <a:ext uri="{0D108BD9-81ED-4DB2-BD59-A6C34878D82A}">
+                    <a16:rowId xmlns:a16="http://schemas.microsoft.com/office/drawing/2014/main" val="162928076"/>
+                  </a:ext>
+                </a:extLst>
+              </a:tr>
+              <a:tr h="297180">
+                <a:tc>
+                  <a:txBody>
+                    <a:bodyPr/>
+                    <a:lstStyle/>
+                    <a:p>
+                      <a:pPr algn="ctr" fontAlgn="ctr"/>
+                      <a:r>
+                        <a:rPr lang="en-US" sz="1800" b="0" i="0" u="none" strike="noStrike" dirty="0">
+                          <a:solidFill>
+                            <a:srgbClr val="000000"/>
+                          </a:solidFill>
+                          <a:effectLst/>
+                          <a:latin typeface="Calibri" panose="020F0502020204030204" pitchFamily="34" charset="0"/>
+                        </a:rPr>
+                        <a:t>4</a:t>
+                      </a:r>
+                      <a:endParaRPr lang="en-IN" sz="1800" b="0" i="0" u="none" strike="noStrike" dirty="0">
+                        <a:solidFill>
+                          <a:srgbClr val="000000"/>
+                        </a:solidFill>
+                        <a:effectLst/>
+                        <a:latin typeface="Calibri" panose="020F0502020204030204" pitchFamily="34" charset="0"/>
+                      </a:endParaRPr>
+                    </a:p>
+                  </a:txBody>
+                  <a:tcPr marL="0" marR="0" marT="0" marB="0" anchor="ctr"/>
+                </a:tc>
+                <a:tc>
+                  <a:txBody>
+                    <a:bodyPr/>
+                    <a:lstStyle/>
+                    <a:p>
+                      <a:pPr algn="l" fontAlgn="t"/>
+                      <a:r>
+                        <a:rPr lang="en-US" sz="1800" b="0" i="0" u="none" strike="noStrike" dirty="0">
+                          <a:solidFill>
+                            <a:srgbClr val="000000"/>
+                          </a:solidFill>
+                          <a:effectLst/>
+                          <a:latin typeface="Calibri" panose="020F0502020204030204" pitchFamily="34" charset="0"/>
+                        </a:rPr>
+                        <a:t> Added colors for layers creation</a:t>
+                      </a:r>
+                    </a:p>
+                  </a:txBody>
+                  <a:tcPr marL="0" marR="0" marT="0" marB="0"/>
+                </a:tc>
+                <a:extLst>
+                  <a:ext uri="{0D108BD9-81ED-4DB2-BD59-A6C34878D82A}">
+                    <a16:rowId xmlns:a16="http://schemas.microsoft.com/office/drawing/2014/main" val="2411499673"/>
+                  </a:ext>
+                </a:extLst>
+              </a:tr>
+            </a:tbl>
+          </a:graphicData>
+        </a:graphic>
+      </p:graphicFrame>
+    </p:spTree>
+    <p:extLst>
+      <p:ext uri="{BB962C8B-B14F-4D97-AF65-F5344CB8AC3E}">
+        <p14:creationId xmlns:p14="http://schemas.microsoft.com/office/powerpoint/2010/main" val="3551978283"/>
+      </p:ext>
+    </p:extLst>
+  </p:cSld>
+  <p:clrMapOvr>
+    <a:masterClrMapping/>
+  </p:clrMapOvr>
+</p:sld>
+</file>
+
 <file path=ppt/theme/theme1.xml><?xml version="1.0" encoding="utf-8"?>
 <a:theme xmlns:a="http://schemas.openxmlformats.org/drawingml/2006/main" name="Office Theme">
   <a:themeElements>
